--- a/Tutorials/whatiswot/5-JSON_Schema/5-JSON_Schema.pptx
+++ b/Tutorials/whatiswot/5-JSON_Schema/5-JSON_Schema.pptx
@@ -230,7 +230,7 @@
           <a:p>
             <a:fld id="{1586BA9D-93CD-47ED-8354-0AA409506616}" type="datetimeFigureOut">
               <a:rPr lang="en-US" smtClean="0"/>
-              <a:t>8/28/23</a:t>
+              <a:t>10/16/23</a:t>
             </a:fld>
             <a:endParaRPr lang="en-US"/>
           </a:p>
@@ -542,9 +542,13 @@
           <a:lstStyle/>
           <a:p>
             <a:r>
-              <a:rPr lang="en-US" dirty="0"/>
-              <a:t>In this video, we will briefly explain Schema Languages and then move to the JSON Schema since it is the one that describes and validate JSON, it is important to know in Web of Things scope.</a:t>
+              <a:rPr lang="en-US" b="0" i="0" dirty="0">
+                <a:effectLst/>
+                <a:latin typeface="Rubik"/>
+              </a:rPr>
+              <a:t>In this video, we will briefly explain Schema Languages and then move to the JSON Schema since it is the one that describes and validates JSON, which is important in the scope of Web of Things.</a:t>
             </a:r>
+            <a:endParaRPr lang="en-US" dirty="0"/>
           </a:p>
         </p:txBody>
       </p:sp>
@@ -630,7 +634,7 @@
           <a:p>
             <a:r>
               <a:rPr lang="en-US" dirty="0"/>
-              <a:t>Thus, in the receiver end, you can do this validation process to validate. This an example how it could look like in Java Script.</a:t>
+              <a:t>Thus, in the receiver end, you can do this validation process to validate. This is an example how it could look like in JavaScript.</a:t>
             </a:r>
           </a:p>
         </p:txBody>
@@ -734,7 +738,7 @@
             </a:pPr>
             <a:r>
               <a:rPr lang="en-US" dirty="0"/>
-              <a:t>It can look different in other programming languages. For instance, python, Java and C++</a:t>
+              <a:t>It can look different in other programming languages. For instance, Python, Java and C++</a:t>
             </a:r>
           </a:p>
         </p:txBody>
@@ -838,7 +842,7 @@
             </a:pPr>
             <a:r>
               <a:rPr lang="en-US" dirty="0"/>
-              <a:t>It can look different in other programming languages. For instance, python, Java and C++</a:t>
+              <a:t>It can look different in other programming languages. For instance, Python, Java and C++</a:t>
             </a:r>
           </a:p>
         </p:txBody>
@@ -942,7 +946,7 @@
             </a:pPr>
             <a:r>
               <a:rPr lang="en-US" dirty="0"/>
-              <a:t>It can look different in other programming languages. For instance, python, Java and C++</a:t>
+              <a:t>It can look different in other programming languages. For instance, Python, Java and C++</a:t>
             </a:r>
           </a:p>
         </p:txBody>
@@ -1028,12 +1032,11 @@
           <a:lstStyle/>
           <a:p>
             <a:r>
-              <a:rPr lang="en-US" dirty="0">
-                <a:solidFill>
-                  <a:schemeClr val="accent1"/>
-                </a:solidFill>
+              <a:rPr lang="en-US" b="0" i="0" dirty="0">
+                <a:effectLst/>
+                <a:latin typeface="Rubik"/>
               </a:rPr>
-              <a:t>Of course, way more advanced validations can be possible with JSON Schema such as:</a:t>
+              <a:t>Of course, way more advanced validations are possible with JSON Schema such as:</a:t>
             </a:r>
             <a:endParaRPr lang="en-US" dirty="0"/>
           </a:p>
@@ -1504,6 +1507,13 @@
               <a:tabLst/>
               <a:defRPr/>
             </a:pPr>
+            <a:r>
+              <a:rPr lang="en-US" b="0" i="0" dirty="0">
+                <a:effectLst/>
+                <a:latin typeface="Rubik"/>
+              </a:rPr>
+              <a:t>as well as required properties and amount of properties in an object. </a:t>
+            </a:r>
             <a:endParaRPr lang="en-US" sz="1200" dirty="0">
               <a:solidFill>
                 <a:schemeClr val="accent2"/>
@@ -1594,20 +1604,11 @@
           <a:lstStyle/>
           <a:p>
             <a:r>
-              <a:rPr lang="tr-TR" dirty="0"/>
-              <a:t>In the next video, we will </a:t>
-            </a:r>
-            <a:r>
-              <a:rPr lang="tr-TR"/>
-              <a:t>talk about Basics of JSON </a:t>
-            </a:r>
-            <a:r>
-              <a:rPr lang="en-US" dirty="0"/>
-              <a:t>Schema</a:t>
-            </a:r>
-            <a:r>
-              <a:rPr lang="tr-TR" dirty="0"/>
-              <a:t> .</a:t>
+              <a:rPr lang="en-US" b="0" i="0">
+                <a:effectLst/>
+                <a:latin typeface="Rubik"/>
+              </a:rPr>
+              <a:t>In the next video, we will go into further details of JSON Schema.</a:t>
             </a:r>
             <a:endParaRPr lang="en-US" dirty="0"/>
           </a:p>
@@ -1694,7 +1695,14 @@
           <a:bodyPr/>
           <a:lstStyle/>
           <a:p>
-            <a:endParaRPr lang="en-US"/>
+            <a:r>
+              <a:rPr lang="en-US" b="0" i="0" dirty="0">
+                <a:effectLst/>
+                <a:latin typeface="Rubik"/>
+              </a:rPr>
+              <a:t>Let us explain what is a schema.</a:t>
+            </a:r>
+            <a:endParaRPr lang="en-US" dirty="0"/>
           </a:p>
         </p:txBody>
       </p:sp>
@@ -1863,28 +1871,25 @@
           <a:lstStyle/>
           <a:p>
             <a:r>
-              <a:rPr lang="en-US" dirty="0"/>
-              <a:t>Many payload formats offer a way to describe what a payload instance should look like</a:t>
+              <a:rPr lang="en-US" b="0" i="0" dirty="0">
+                <a:effectLst/>
+                <a:latin typeface="Rubik"/>
+              </a:rPr>
+              <a:t>Many payload formats offer a way to describe what a payload instance should look like. Generally, these are called Schema Languages. For example, JSON Schema, XML Schema, </a:t>
             </a:r>
             <a:r>
-              <a:rPr lang="tr-TR" dirty="0"/>
-              <a:t>. </a:t>
+              <a:rPr lang="en-US" b="0" i="0" dirty="0" err="1">
+                <a:effectLst/>
+                <a:latin typeface="Rubik"/>
+              </a:rPr>
+              <a:t>GraphQL</a:t>
             </a:r>
             <a:r>
-              <a:rPr lang="en-US" dirty="0"/>
-              <a:t>Generally, these are called Schema Languages. </a:t>
-            </a:r>
-            <a:r>
-              <a:rPr lang="tr-TR" dirty="0"/>
-              <a:t>For example, JSON Schema, XML Schema, PDF </a:t>
-            </a:r>
-            <a:r>
-              <a:rPr lang="tr-TR" dirty="0" err="1"/>
-              <a:t>Schema</a:t>
-            </a:r>
-            <a:r>
-              <a:rPr lang="tr-TR" dirty="0"/>
-              <a:t>.</a:t>
+              <a:rPr lang="en-US" b="0" i="0" dirty="0">
+                <a:effectLst/>
+                <a:latin typeface="Rubik"/>
+              </a:rPr>
+              <a:t> Schema Definition Language.</a:t>
             </a:r>
             <a:endParaRPr lang="en-US" dirty="0"/>
           </a:p>
@@ -1984,15 +1989,27 @@
             </a:r>
             <a:r>
               <a:rPr lang="tr-TR" dirty="0"/>
-              <a:t>For example, JSON Schema, XML Schema, PDF </a:t>
+              <a:t>For example, JSON Schema, XML Schema, </a:t>
             </a:r>
             <a:r>
-              <a:rPr lang="tr-TR" dirty="0" err="1"/>
-              <a:t>Schema</a:t>
+              <a:rPr lang="en-US" b="0" i="0" dirty="0" err="1">
+                <a:solidFill>
+                  <a:srgbClr val="E6EDF3"/>
+                </a:solidFill>
+                <a:effectLst/>
+                <a:latin typeface="-apple-system"/>
+              </a:rPr>
+              <a:t>GraphQL</a:t>
             </a:r>
             <a:r>
-              <a:rPr lang="tr-TR" dirty="0"/>
-              <a:t>.</a:t>
+              <a:rPr lang="en-US" b="0" i="0" dirty="0">
+                <a:solidFill>
+                  <a:srgbClr val="E6EDF3"/>
+                </a:solidFill>
+                <a:effectLst/>
+                <a:latin typeface="-apple-system"/>
+              </a:rPr>
+              <a:t> Schema Definition Language.</a:t>
             </a:r>
             <a:endParaRPr lang="en-US" dirty="0"/>
           </a:p>
@@ -2078,7 +2095,14 @@
           <a:bodyPr/>
           <a:lstStyle/>
           <a:p>
-            <a:endParaRPr lang="en-US"/>
+            <a:r>
+              <a:rPr lang="en-US" b="0" i="0" dirty="0">
+                <a:effectLst/>
+                <a:latin typeface="Rubik"/>
+              </a:rPr>
+              <a:t>Now let's take JSON Schema.</a:t>
+            </a:r>
+            <a:endParaRPr lang="en-US" dirty="0"/>
           </a:p>
         </p:txBody>
       </p:sp>
@@ -2374,12 +2398,11 @@
           <a:lstStyle/>
           <a:p>
             <a:r>
-              <a:rPr lang="en-US" dirty="0"/>
-              <a:t>Although, it is a JSON on its own, it is metadata</a:t>
-            </a:r>
-            <a:r>
-              <a:rPr lang="tr-TR" dirty="0"/>
-              <a:t>. </a:t>
+              <a:rPr lang="en-US" b="0" i="0" dirty="0">
+                <a:effectLst/>
+                <a:latin typeface="Rubik"/>
+              </a:rPr>
+              <a:t>Although it is also a JSON, it is metadata and not part of the payloads.</a:t>
             </a:r>
             <a:endParaRPr lang="en-US" dirty="0"/>
           </a:p>
@@ -2466,26 +2489,26 @@
           <a:lstStyle/>
           <a:p>
             <a:r>
-              <a:rPr lang="en-US" dirty="0"/>
-              <a:t>For Example,</a:t>
+              <a:rPr lang="en-US" b="0" i="0" dirty="0">
+                <a:effectLst/>
+                <a:latin typeface="Rubik"/>
+              </a:rPr>
+              <a:t>We can see some basic JSON Schema examples here. “type”: “array” tells that the schema accepts JSON documents that are arrays. This can be defined for other types in JSON as well, such as, string, number, </a:t>
             </a:r>
             <a:r>
-              <a:rPr lang="tr-TR" dirty="0"/>
-              <a:t> some basic JSON Schemas,</a:t>
+              <a:rPr lang="en-US" b="0" i="0" dirty="0" err="1">
+                <a:effectLst/>
+                <a:latin typeface="Rubik"/>
+              </a:rPr>
+              <a:t>boolean</a:t>
             </a:r>
             <a:r>
-              <a:rPr lang="en-US" dirty="0"/>
-              <a:t> “type”: “array”  tells it accepts type array in other JSON documents.</a:t>
+              <a:rPr lang="en-US" b="0" i="0" dirty="0">
+                <a:effectLst/>
+                <a:latin typeface="Rubik"/>
+              </a:rPr>
+              <a:t>, and null.</a:t>
             </a:r>
-            <a:r>
-              <a:rPr lang="tr-TR" dirty="0"/>
-              <a:t> This can be defined for other types in JSON as well, such as, string, number, boolean, null</a:t>
-            </a:r>
-          </a:p>
-          <a:p>
-            <a:endParaRPr lang="tr-TR" dirty="0"/>
-          </a:p>
-          <a:p>
             <a:endParaRPr lang="tr-TR" dirty="0"/>
           </a:p>
         </p:txBody>
@@ -2657,7 +2680,7 @@
           <a:p>
             <a:fld id="{0ABDED7E-BCEF-4795-8799-E11D8902DE74}" type="datetimeFigureOut">
               <a:rPr lang="en-US" smtClean="0"/>
-              <a:t>8/28/23</a:t>
+              <a:t>10/16/23</a:t>
             </a:fld>
             <a:endParaRPr lang="en-US"/>
           </a:p>
@@ -2827,7 +2850,7 @@
           <a:p>
             <a:fld id="{0ABDED7E-BCEF-4795-8799-E11D8902DE74}" type="datetimeFigureOut">
               <a:rPr lang="en-US" smtClean="0"/>
-              <a:t>8/28/23</a:t>
+              <a:t>10/16/23</a:t>
             </a:fld>
             <a:endParaRPr lang="en-US"/>
           </a:p>
@@ -3007,7 +3030,7 @@
           <a:p>
             <a:fld id="{0ABDED7E-BCEF-4795-8799-E11D8902DE74}" type="datetimeFigureOut">
               <a:rPr lang="en-US" smtClean="0"/>
-              <a:t>8/28/23</a:t>
+              <a:t>10/16/23</a:t>
             </a:fld>
             <a:endParaRPr lang="en-US"/>
           </a:p>
@@ -3177,7 +3200,7 @@
           <a:p>
             <a:fld id="{0ABDED7E-BCEF-4795-8799-E11D8902DE74}" type="datetimeFigureOut">
               <a:rPr lang="en-US" smtClean="0"/>
-              <a:t>8/28/23</a:t>
+              <a:t>10/16/23</a:t>
             </a:fld>
             <a:endParaRPr lang="en-US"/>
           </a:p>
@@ -3423,7 +3446,7 @@
           <a:p>
             <a:fld id="{0ABDED7E-BCEF-4795-8799-E11D8902DE74}" type="datetimeFigureOut">
               <a:rPr lang="en-US" smtClean="0"/>
-              <a:t>8/28/23</a:t>
+              <a:t>10/16/23</a:t>
             </a:fld>
             <a:endParaRPr lang="en-US"/>
           </a:p>
@@ -3655,7 +3678,7 @@
           <a:p>
             <a:fld id="{0ABDED7E-BCEF-4795-8799-E11D8902DE74}" type="datetimeFigureOut">
               <a:rPr lang="en-US" smtClean="0"/>
-              <a:t>8/28/23</a:t>
+              <a:t>10/16/23</a:t>
             </a:fld>
             <a:endParaRPr lang="en-US"/>
           </a:p>
@@ -4022,7 +4045,7 @@
           <a:p>
             <a:fld id="{0ABDED7E-BCEF-4795-8799-E11D8902DE74}" type="datetimeFigureOut">
               <a:rPr lang="en-US" smtClean="0"/>
-              <a:t>8/28/23</a:t>
+              <a:t>10/16/23</a:t>
             </a:fld>
             <a:endParaRPr lang="en-US"/>
           </a:p>
@@ -4140,7 +4163,7 @@
           <a:p>
             <a:fld id="{0ABDED7E-BCEF-4795-8799-E11D8902DE74}" type="datetimeFigureOut">
               <a:rPr lang="en-US" smtClean="0"/>
-              <a:t>8/28/23</a:t>
+              <a:t>10/16/23</a:t>
             </a:fld>
             <a:endParaRPr lang="en-US"/>
           </a:p>
@@ -4235,7 +4258,7 @@
           <a:p>
             <a:fld id="{0ABDED7E-BCEF-4795-8799-E11D8902DE74}" type="datetimeFigureOut">
               <a:rPr lang="en-US" smtClean="0"/>
-              <a:t>8/28/23</a:t>
+              <a:t>10/16/23</a:t>
             </a:fld>
             <a:endParaRPr lang="en-US"/>
           </a:p>
@@ -4512,7 +4535,7 @@
           <a:p>
             <a:fld id="{0ABDED7E-BCEF-4795-8799-E11D8902DE74}" type="datetimeFigureOut">
               <a:rPr lang="en-US" smtClean="0"/>
-              <a:t>8/28/23</a:t>
+              <a:t>10/16/23</a:t>
             </a:fld>
             <a:endParaRPr lang="en-US"/>
           </a:p>
@@ -4769,7 +4792,7 @@
           <a:p>
             <a:fld id="{0ABDED7E-BCEF-4795-8799-E11D8902DE74}" type="datetimeFigureOut">
               <a:rPr lang="en-US" smtClean="0"/>
-              <a:t>8/28/23</a:t>
+              <a:t>10/16/23</a:t>
             </a:fld>
             <a:endParaRPr lang="en-US"/>
           </a:p>
@@ -4987,7 +5010,7 @@
           <a:p>
             <a:fld id="{0ABDED7E-BCEF-4795-8799-E11D8902DE74}" type="datetimeFigureOut">
               <a:rPr lang="en-US" smtClean="0"/>
-              <a:t>8/28/23</a:t>
+              <a:t>10/16/23</a:t>
             </a:fld>
             <a:endParaRPr lang="en-US"/>
           </a:p>
@@ -7953,12 +7976,12 @@
   </p:clrMapOvr>
   <mc:AlternateContent xmlns:mc="http://schemas.openxmlformats.org/markup-compatibility/2006" xmlns:p159="http://schemas.microsoft.com/office/powerpoint/2015/09/main">
     <mc:Choice Requires="p159">
-      <p:transition xmlns:p14="http://schemas.microsoft.com/office/powerpoint/2010/main" spd="slow" p14:dur="2000" advClick="0" advTm="6000">
+      <p:transition xmlns:p14="http://schemas.microsoft.com/office/powerpoint/2010/main" spd="slow" p14:dur="2000" advClick="0" advTm="10000">
         <p159:morph option="byObject"/>
       </p:transition>
     </mc:Choice>
     <mc:Fallback xmlns="">
-      <p:transition spd="slow" advClick="0" advTm="6000">
+      <p:transition spd="slow" advClick="0" advTm="10000">
         <p:fade/>
       </p:transition>
     </mc:Fallback>
@@ -9678,14 +9701,14 @@
   <p:clrMapOvr>
     <a:masterClrMapping/>
   </p:clrMapOvr>
-  <mc:AlternateContent xmlns:mc="http://schemas.openxmlformats.org/markup-compatibility/2006" xmlns:p159="http://schemas.microsoft.com/office/powerpoint/2015/09/main">
-    <mc:Choice Requires="p159">
-      <p:transition xmlns:p14="http://schemas.microsoft.com/office/powerpoint/2010/main" spd="slow" p14:dur="2000" advClick="0" advTm="7000">
+  <mc:AlternateContent xmlns:mc="http://schemas.openxmlformats.org/markup-compatibility/2006">
+    <mc:Choice xmlns:p159="http://schemas.microsoft.com/office/powerpoint/2015/09/main" Requires="p159">
+      <p:transition xmlns:p14="http://schemas.microsoft.com/office/powerpoint/2010/main" spd="slow" p14:dur="2000" advClick="0" advTm="5000">
         <p159:morph option="byObject"/>
       </p:transition>
     </mc:Choice>
-    <mc:Fallback xmlns="">
-      <p:transition spd="slow" advClick="0" advTm="7000">
+    <mc:Fallback>
+      <p:transition spd="slow" advClick="0" advTm="5000">
         <p:fade/>
       </p:transition>
     </mc:Fallback>
@@ -10387,12 +10410,12 @@
   </p:clrMapOvr>
   <mc:AlternateContent xmlns:mc="http://schemas.openxmlformats.org/markup-compatibility/2006" xmlns:p159="http://schemas.microsoft.com/office/powerpoint/2015/09/main">
     <mc:Choice Requires="p159">
-      <p:transition xmlns:p14="http://schemas.microsoft.com/office/powerpoint/2010/main" spd="slow" p14:dur="2000" advClick="0" advTm="7000">
+      <p:transition xmlns:p14="http://schemas.microsoft.com/office/powerpoint/2010/main" spd="slow" p14:dur="2000" advClick="0" advTm="5000">
         <p159:morph option="byObject"/>
       </p:transition>
     </mc:Choice>
     <mc:Fallback xmlns="">
-      <p:transition spd="slow" advClick="0" advTm="7000">
+      <p:transition spd="slow" advClick="0" advTm="5000">
         <p:fade/>
       </p:transition>
     </mc:Fallback>
@@ -10481,12 +10504,12 @@
   </p:clrMapOvr>
   <mc:AlternateContent xmlns:mc="http://schemas.openxmlformats.org/markup-compatibility/2006" xmlns:p159="http://schemas.microsoft.com/office/powerpoint/2015/09/main">
     <mc:Choice Requires="p159">
-      <p:transition xmlns:p14="http://schemas.microsoft.com/office/powerpoint/2010/main" spd="slow" p14:dur="2000" advClick="0" advTm="7000">
+      <p:transition xmlns:p14="http://schemas.microsoft.com/office/powerpoint/2010/main" spd="slow" p14:dur="2000" advClick="0" advTm="3000">
         <p159:morph option="byObject"/>
       </p:transition>
     </mc:Choice>
     <mc:Fallback xmlns="">
-      <p:transition spd="slow" advClick="0" advTm="7000">
+      <p:transition spd="slow" advClick="0" advTm="3000">
         <p:fade/>
       </p:transition>
     </mc:Fallback>
@@ -11169,12 +11192,12 @@
   </p:clrMapOvr>
   <mc:AlternateContent xmlns:mc="http://schemas.openxmlformats.org/markup-compatibility/2006" xmlns:p159="http://schemas.microsoft.com/office/powerpoint/2015/09/main">
     <mc:Choice Requires="p159">
-      <p:transition xmlns:p14="http://schemas.microsoft.com/office/powerpoint/2010/main" spd="slow" p14:dur="2000" advClick="0" advTm="7000">
+      <p:transition xmlns:p14="http://schemas.microsoft.com/office/powerpoint/2010/main" spd="slow" p14:dur="2000" advClick="0" advTm="3000">
         <p159:morph option="byObject"/>
       </p:transition>
     </mc:Choice>
     <mc:Fallback xmlns="">
-      <p:transition spd="slow" advClick="0" advTm="7000">
+      <p:transition spd="slow" advClick="0" advTm="3000">
         <p:fade/>
       </p:transition>
     </mc:Fallback>
@@ -13500,12 +13523,12 @@
   </p:clrMapOvr>
   <mc:AlternateContent xmlns:mc="http://schemas.openxmlformats.org/markup-compatibility/2006" xmlns:p159="http://schemas.microsoft.com/office/powerpoint/2015/09/main">
     <mc:Choice Requires="p159">
-      <p:transition xmlns:p14="http://schemas.microsoft.com/office/powerpoint/2010/main" spd="slow" p14:dur="2000" advClick="0" advTm="7000">
+      <p:transition xmlns:p14="http://schemas.microsoft.com/office/powerpoint/2010/main" spd="slow" p14:dur="2000" advClick="0" advTm="4000">
         <p159:morph option="byObject"/>
       </p:transition>
     </mc:Choice>
     <mc:Fallback xmlns="">
-      <p:transition spd="slow" advClick="0" advTm="7000">
+      <p:transition spd="slow" advClick="0" advTm="4000">
         <p:fade/>
       </p:transition>
     </mc:Fallback>
@@ -15636,12 +15659,12 @@
   </p:clrMapOvr>
   <mc:AlternateContent xmlns:mc="http://schemas.openxmlformats.org/markup-compatibility/2006" xmlns:p159="http://schemas.microsoft.com/office/powerpoint/2015/09/main">
     <mc:Choice Requires="p159">
-      <p:transition xmlns:p14="http://schemas.microsoft.com/office/powerpoint/2010/main" spd="slow" p14:dur="2000" advClick="0" advTm="7000">
+      <p:transition xmlns:p14="http://schemas.microsoft.com/office/powerpoint/2010/main" spd="slow" p14:dur="2000" advClick="0" advTm="4000">
         <p159:morph option="byObject"/>
       </p:transition>
     </mc:Choice>
     <mc:Fallback xmlns="">
-      <p:transition spd="slow" advClick="0" advTm="7000">
+      <p:transition spd="slow" advClick="0" advTm="4000">
         <p:fade/>
       </p:transition>
     </mc:Fallback>
@@ -16891,12 +16914,12 @@
   </p:clrMapOvr>
   <mc:AlternateContent xmlns:mc="http://schemas.openxmlformats.org/markup-compatibility/2006" xmlns:p159="http://schemas.microsoft.com/office/powerpoint/2015/09/main">
     <mc:Choice Requires="p159">
-      <p:transition xmlns:p14="http://schemas.microsoft.com/office/powerpoint/2010/main" spd="slow" p14:dur="2000" advClick="0" advTm="7000">
+      <p:transition xmlns:p14="http://schemas.microsoft.com/office/powerpoint/2010/main" spd="slow" p14:dur="2000" advClick="0" advTm="5000">
         <p159:morph option="byObject"/>
       </p:transition>
     </mc:Choice>
     <mc:Fallback xmlns="">
-      <p:transition spd="slow" advClick="0" advTm="7000">
+      <p:transition spd="slow" advClick="0" advTm="5000">
         <p:fade/>
       </p:transition>
     </mc:Fallback>
@@ -17867,12 +17890,12 @@
   </p:clrMapOvr>
   <mc:AlternateContent xmlns:mc="http://schemas.openxmlformats.org/markup-compatibility/2006" xmlns:p159="http://schemas.microsoft.com/office/powerpoint/2015/09/main">
     <mc:Choice Requires="p159">
-      <p:transition xmlns:p14="http://schemas.microsoft.com/office/powerpoint/2010/main" spd="slow" p14:dur="2000" advClick="0" advTm="3000">
+      <p:transition spd="slow" advClick="0" advTm="2000">
         <p159:morph option="byObject"/>
       </p:transition>
     </mc:Choice>
     <mc:Fallback xmlns="">
-      <p:transition spd="slow" advClick="0" advTm="3000">
+      <p:transition spd="slow" advClick="0" advTm="2000">
         <p:fade/>
       </p:transition>
     </mc:Fallback>
@@ -18092,12 +18115,12 @@
   </p:clrMapOvr>
   <mc:AlternateContent xmlns:mc="http://schemas.openxmlformats.org/markup-compatibility/2006" xmlns:p159="http://schemas.microsoft.com/office/powerpoint/2015/09/main">
     <mc:Choice Requires="p159">
-      <p:transition xmlns:p14="http://schemas.microsoft.com/office/powerpoint/2010/main" spd="slow" p14:dur="2000" advTm="4000">
+      <p:transition spd="slow" advTm="5000">
         <p159:morph option="byObject"/>
       </p:transition>
     </mc:Choice>
     <mc:Fallback xmlns="">
-      <p:transition spd="slow" advTm="4000">
+      <p:transition spd="slow" advTm="5000">
         <p:fade/>
       </p:transition>
     </mc:Fallback>
@@ -19041,13 +19064,22 @@
               </a:lnSpc>
             </a:pPr>
             <a:r>
-              <a:rPr lang="en-US" sz="2000" dirty="0">
+              <a:rPr lang="en-US" sz="2000" dirty="0" err="1">
                 <a:solidFill>
                   <a:schemeClr val="accent2"/>
                 </a:solidFill>
                 <a:latin typeface="Century Gothic" panose="020B0502020202020204" pitchFamily="34" charset="0"/>
               </a:rPr>
-              <a:t>PDF Schema</a:t>
+              <a:t>GraphQL</a:t>
+            </a:r>
+            <a:r>
+              <a:rPr lang="en-US" sz="2000" dirty="0">
+                <a:solidFill>
+                  <a:schemeClr val="accent2"/>
+                </a:solidFill>
+                <a:latin typeface="Century Gothic" panose="020B0502020202020204" pitchFamily="34" charset="0"/>
+              </a:rPr>
+              <a:t> SDL</a:t>
             </a:r>
           </a:p>
         </p:txBody>
@@ -19440,12 +19472,12 @@
   </p:clrMapOvr>
   <mc:AlternateContent xmlns:mc="http://schemas.openxmlformats.org/markup-compatibility/2006" xmlns:p159="http://schemas.microsoft.com/office/powerpoint/2015/09/main">
     <mc:Choice Requires="p159">
-      <p:transition xmlns:p14="http://schemas.microsoft.com/office/powerpoint/2010/main" spd="slow" p14:dur="2000" advTm="4000">
+      <p:transition spd="slow" advTm="9000">
         <p159:morph option="byObject"/>
       </p:transition>
     </mc:Choice>
     <mc:Fallback xmlns="">
-      <p:transition spd="slow" advTm="4000">
+      <p:transition spd="slow" advTm="9000">
         <p:fade/>
       </p:transition>
     </mc:Fallback>
@@ -20346,12 +20378,12 @@
   </p:clrMapOvr>
   <mc:AlternateContent xmlns:mc="http://schemas.openxmlformats.org/markup-compatibility/2006" xmlns:p159="http://schemas.microsoft.com/office/powerpoint/2015/09/main">
     <mc:Choice Requires="p159">
-      <p:transition xmlns:p14="http://schemas.microsoft.com/office/powerpoint/2010/main" spd="slow" p14:dur="2000" advClick="0" advTm="3000">
+      <p:transition spd="slow" advClick="0" advTm="2000">
         <p159:morph option="byObject"/>
       </p:transition>
     </mc:Choice>
     <mc:Fallback xmlns="">
-      <p:transition spd="slow" advClick="0" advTm="3000">
+      <p:transition spd="slow" advClick="0" advTm="2000">
         <p:fade/>
       </p:transition>
     </mc:Fallback>
@@ -20675,7 +20707,7 @@
   </p:clrMapOvr>
   <mc:AlternateContent xmlns:mc="http://schemas.openxmlformats.org/markup-compatibility/2006" xmlns:p159="http://schemas.microsoft.com/office/powerpoint/2015/09/main">
     <mc:Choice Requires="p159">
-      <p:transition xmlns:p14="http://schemas.microsoft.com/office/powerpoint/2010/main" spd="slow" p14:dur="2000" advClick="0" advTm="8000">
+      <p:transition spd="slow" advClick="0" advTm="8000">
         <p159:morph option="byObject"/>
       </p:transition>
     </mc:Choice>
@@ -23327,12 +23359,12 @@
   </p:clrMapOvr>
   <mc:AlternateContent xmlns:mc="http://schemas.openxmlformats.org/markup-compatibility/2006" xmlns:p159="http://schemas.microsoft.com/office/powerpoint/2015/09/main">
     <mc:Choice Requires="p159">
-      <p:transition xmlns:p14="http://schemas.microsoft.com/office/powerpoint/2010/main" spd="slow" p14:dur="2000" advClick="0" advTm="11000">
+      <p:transition xmlns:p14="http://schemas.microsoft.com/office/powerpoint/2010/main" spd="slow" p14:dur="2000" advClick="0" advTm="3500">
         <p159:morph option="byObject"/>
       </p:transition>
     </mc:Choice>
     <mc:Fallback xmlns="">
-      <p:transition spd="slow" advClick="0" advTm="11000">
+      <p:transition spd="slow" advClick="0" advTm="3500">
         <p:fade/>
       </p:transition>
     </mc:Fallback>
@@ -24034,12 +24066,12 @@
   </p:clrMapOvr>
   <mc:AlternateContent xmlns:mc="http://schemas.openxmlformats.org/markup-compatibility/2006" xmlns:p159="http://schemas.microsoft.com/office/powerpoint/2015/09/main">
     <mc:Choice Requires="p159">
-      <p:transition xmlns:p14="http://schemas.microsoft.com/office/powerpoint/2010/main" spd="slow" p14:dur="2000" advClick="0" advTm="12000">
+      <p:transition xmlns:p14="http://schemas.microsoft.com/office/powerpoint/2010/main" spd="slow" p14:dur="2000" advClick="0" advTm="16500">
         <p159:morph option="byObject"/>
       </p:transition>
     </mc:Choice>
     <mc:Fallback xmlns="">
-      <p:transition spd="slow" advClick="0" advTm="12000">
+      <p:transition spd="slow" advClick="0" advTm="16500">
         <p:fade/>
       </p:transition>
     </mc:Fallback>

--- a/Tutorials/whatiswot/5-JSON_Schema/5-JSON_Schema.pptx
+++ b/Tutorials/whatiswot/5-JSON_Schema/5-JSON_Schema.pptx
@@ -5,7 +5,7 @@
     <p:sldMasterId id="2147483696" r:id="rId1"/>
   </p:sldMasterIdLst>
   <p:notesMasterIdLst>
-    <p:notesMasterId r:id="rId22"/>
+    <p:notesMasterId r:id="rId23"/>
   </p:notesMasterIdLst>
   <p:sldIdLst>
     <p:sldId id="293" r:id="rId2"/>
@@ -28,6 +28,7 @@
     <p:sldId id="330" r:id="rId19"/>
     <p:sldId id="318" r:id="rId20"/>
     <p:sldId id="301" r:id="rId21"/>
+    <p:sldId id="276" r:id="rId22"/>
   </p:sldIdLst>
   <p:sldSz cx="12192000" cy="6858000"/>
   <p:notesSz cx="6858000" cy="9144000"/>
@@ -230,7 +231,7 @@
           <a:p>
             <a:fld id="{1586BA9D-93CD-47ED-8354-0AA409506616}" type="datetimeFigureOut">
               <a:rPr lang="en-US" smtClean="0"/>
-              <a:t>10/16/23</a:t>
+              <a:t>11/21/23</a:t>
             </a:fld>
             <a:endParaRPr lang="en-US"/>
           </a:p>
@@ -1826,6 +1827,90 @@
 </p:notes>
 </file>
 
+<file path=ppt/notesSlides/notesSlide21.xml><?xml version="1.0" encoding="utf-8"?>
+<p:notes xmlns:a="http://schemas.openxmlformats.org/drawingml/2006/main" xmlns:r="http://schemas.openxmlformats.org/officeDocument/2006/relationships" xmlns:p="http://schemas.openxmlformats.org/presentationml/2006/main">
+  <p:cSld>
+    <p:spTree>
+      <p:nvGrpSpPr>
+        <p:cNvPr id="1" name=""/>
+        <p:cNvGrpSpPr/>
+        <p:nvPr/>
+      </p:nvGrpSpPr>
+      <p:grpSpPr>
+        <a:xfrm>
+          <a:off x="0" y="0"/>
+          <a:ext cx="0" cy="0"/>
+          <a:chOff x="0" y="0"/>
+          <a:chExt cx="0" cy="0"/>
+        </a:xfrm>
+      </p:grpSpPr>
+      <p:sp>
+        <p:nvSpPr>
+          <p:cNvPr id="2" name="Slide Image Placeholder 1"/>
+          <p:cNvSpPr>
+            <a:spLocks noGrp="1" noRot="1" noChangeAspect="1"/>
+          </p:cNvSpPr>
+          <p:nvPr>
+            <p:ph type="sldImg"/>
+          </p:nvPr>
+        </p:nvSpPr>
+        <p:spPr/>
+      </p:sp>
+      <p:sp>
+        <p:nvSpPr>
+          <p:cNvPr id="3" name="Notes Placeholder 2"/>
+          <p:cNvSpPr>
+            <a:spLocks noGrp="1"/>
+          </p:cNvSpPr>
+          <p:nvPr>
+            <p:ph type="body" idx="1"/>
+          </p:nvPr>
+        </p:nvSpPr>
+        <p:spPr/>
+        <p:txBody>
+          <a:bodyPr/>
+          <a:lstStyle/>
+          <a:p>
+            <a:endParaRPr lang="tr-TR" dirty="0"/>
+          </a:p>
+        </p:txBody>
+      </p:sp>
+      <p:sp>
+        <p:nvSpPr>
+          <p:cNvPr id="4" name="Slide Number Placeholder 3"/>
+          <p:cNvSpPr>
+            <a:spLocks noGrp="1"/>
+          </p:cNvSpPr>
+          <p:nvPr>
+            <p:ph type="sldNum" sz="quarter" idx="5"/>
+          </p:nvPr>
+        </p:nvSpPr>
+        <p:spPr/>
+        <p:txBody>
+          <a:bodyPr/>
+          <a:lstStyle/>
+          <a:p>
+            <a:fld id="{838D45EA-097A-449E-8E80-C10F8140ABDB}" type="slidenum">
+              <a:rPr lang="en-US" smtClean="0"/>
+              <a:t>21</a:t>
+            </a:fld>
+            <a:endParaRPr lang="en-US"/>
+          </a:p>
+        </p:txBody>
+      </p:sp>
+    </p:spTree>
+    <p:extLst>
+      <p:ext uri="{BB962C8B-B14F-4D97-AF65-F5344CB8AC3E}">
+        <p14:creationId xmlns:p14="http://schemas.microsoft.com/office/powerpoint/2010/main" val="1820635812"/>
+      </p:ext>
+    </p:extLst>
+  </p:cSld>
+  <p:clrMapOvr>
+    <a:masterClrMapping/>
+  </p:clrMapOvr>
+</p:notes>
+</file>
+
 <file path=ppt/notesSlides/notesSlide3.xml><?xml version="1.0" encoding="utf-8"?>
 <p:notes xmlns:a="http://schemas.openxmlformats.org/drawingml/2006/main" xmlns:r="http://schemas.openxmlformats.org/officeDocument/2006/relationships" xmlns:p="http://schemas.openxmlformats.org/presentationml/2006/main">
   <p:cSld>
@@ -2680,7 +2765,7 @@
           <a:p>
             <a:fld id="{0ABDED7E-BCEF-4795-8799-E11D8902DE74}" type="datetimeFigureOut">
               <a:rPr lang="en-US" smtClean="0"/>
-              <a:t>10/16/23</a:t>
+              <a:t>11/21/23</a:t>
             </a:fld>
             <a:endParaRPr lang="en-US"/>
           </a:p>
@@ -2850,7 +2935,7 @@
           <a:p>
             <a:fld id="{0ABDED7E-BCEF-4795-8799-E11D8902DE74}" type="datetimeFigureOut">
               <a:rPr lang="en-US" smtClean="0"/>
-              <a:t>10/16/23</a:t>
+              <a:t>11/21/23</a:t>
             </a:fld>
             <a:endParaRPr lang="en-US"/>
           </a:p>
@@ -3030,7 +3115,7 @@
           <a:p>
             <a:fld id="{0ABDED7E-BCEF-4795-8799-E11D8902DE74}" type="datetimeFigureOut">
               <a:rPr lang="en-US" smtClean="0"/>
-              <a:t>10/16/23</a:t>
+              <a:t>11/21/23</a:t>
             </a:fld>
             <a:endParaRPr lang="en-US"/>
           </a:p>
@@ -3200,7 +3285,7 @@
           <a:p>
             <a:fld id="{0ABDED7E-BCEF-4795-8799-E11D8902DE74}" type="datetimeFigureOut">
               <a:rPr lang="en-US" smtClean="0"/>
-              <a:t>10/16/23</a:t>
+              <a:t>11/21/23</a:t>
             </a:fld>
             <a:endParaRPr lang="en-US"/>
           </a:p>
@@ -3446,7 +3531,7 @@
           <a:p>
             <a:fld id="{0ABDED7E-BCEF-4795-8799-E11D8902DE74}" type="datetimeFigureOut">
               <a:rPr lang="en-US" smtClean="0"/>
-              <a:t>10/16/23</a:t>
+              <a:t>11/21/23</a:t>
             </a:fld>
             <a:endParaRPr lang="en-US"/>
           </a:p>
@@ -3678,7 +3763,7 @@
           <a:p>
             <a:fld id="{0ABDED7E-BCEF-4795-8799-E11D8902DE74}" type="datetimeFigureOut">
               <a:rPr lang="en-US" smtClean="0"/>
-              <a:t>10/16/23</a:t>
+              <a:t>11/21/23</a:t>
             </a:fld>
             <a:endParaRPr lang="en-US"/>
           </a:p>
@@ -4045,7 +4130,7 @@
           <a:p>
             <a:fld id="{0ABDED7E-BCEF-4795-8799-E11D8902DE74}" type="datetimeFigureOut">
               <a:rPr lang="en-US" smtClean="0"/>
-              <a:t>10/16/23</a:t>
+              <a:t>11/21/23</a:t>
             </a:fld>
             <a:endParaRPr lang="en-US"/>
           </a:p>
@@ -4163,7 +4248,7 @@
           <a:p>
             <a:fld id="{0ABDED7E-BCEF-4795-8799-E11D8902DE74}" type="datetimeFigureOut">
               <a:rPr lang="en-US" smtClean="0"/>
-              <a:t>10/16/23</a:t>
+              <a:t>11/21/23</a:t>
             </a:fld>
             <a:endParaRPr lang="en-US"/>
           </a:p>
@@ -4258,7 +4343,7 @@
           <a:p>
             <a:fld id="{0ABDED7E-BCEF-4795-8799-E11D8902DE74}" type="datetimeFigureOut">
               <a:rPr lang="en-US" smtClean="0"/>
-              <a:t>10/16/23</a:t>
+              <a:t>11/21/23</a:t>
             </a:fld>
             <a:endParaRPr lang="en-US"/>
           </a:p>
@@ -4535,7 +4620,7 @@
           <a:p>
             <a:fld id="{0ABDED7E-BCEF-4795-8799-E11D8902DE74}" type="datetimeFigureOut">
               <a:rPr lang="en-US" smtClean="0"/>
-              <a:t>10/16/23</a:t>
+              <a:t>11/21/23</a:t>
             </a:fld>
             <a:endParaRPr lang="en-US"/>
           </a:p>
@@ -4792,7 +4877,7 @@
           <a:p>
             <a:fld id="{0ABDED7E-BCEF-4795-8799-E11D8902DE74}" type="datetimeFigureOut">
               <a:rPr lang="en-US" smtClean="0"/>
-              <a:t>10/16/23</a:t>
+              <a:t>11/21/23</a:t>
             </a:fld>
             <a:endParaRPr lang="en-US"/>
           </a:p>
@@ -5010,7 +5095,7 @@
           <a:p>
             <a:fld id="{0ABDED7E-BCEF-4795-8799-E11D8902DE74}" type="datetimeFigureOut">
               <a:rPr lang="en-US" smtClean="0"/>
-              <a:t>10/16/23</a:t>
+              <a:t>11/21/23</a:t>
             </a:fld>
             <a:endParaRPr lang="en-US"/>
           </a:p>
@@ -9701,13 +9786,13 @@
   <p:clrMapOvr>
     <a:masterClrMapping/>
   </p:clrMapOvr>
-  <mc:AlternateContent xmlns:mc="http://schemas.openxmlformats.org/markup-compatibility/2006">
-    <mc:Choice xmlns:p159="http://schemas.microsoft.com/office/powerpoint/2015/09/main" Requires="p159">
+  <mc:AlternateContent xmlns:mc="http://schemas.openxmlformats.org/markup-compatibility/2006" xmlns:p159="http://schemas.microsoft.com/office/powerpoint/2015/09/main">
+    <mc:Choice Requires="p159">
       <p:transition xmlns:p14="http://schemas.microsoft.com/office/powerpoint/2010/main" spd="slow" p14:dur="2000" advClick="0" advTm="5000">
         <p159:morph option="byObject"/>
       </p:transition>
     </mc:Choice>
-    <mc:Fallback>
+    <mc:Fallback xmlns="">
       <p:transition spd="slow" advClick="0" advTm="5000">
         <p:fade/>
       </p:transition>
@@ -16928,7 +17013,7 @@
 </file>
 
 <file path=ppt/slides/slide19.xml><?xml version="1.0" encoding="utf-8"?>
-<p:sld xmlns:a="http://schemas.openxmlformats.org/drawingml/2006/main" xmlns:r="http://schemas.openxmlformats.org/officeDocument/2006/relationships" xmlns:p="http://schemas.openxmlformats.org/presentationml/2006/main">
+<p:sld xmlns:a="http://schemas.openxmlformats.org/drawingml/2006/main" xmlns:r="http://schemas.openxmlformats.org/officeDocument/2006/relationships" xmlns:p="http://schemas.openxmlformats.org/presentationml/2006/main" show="0">
   <p:cSld>
     <p:spTree>
       <p:nvGrpSpPr>
@@ -17616,11 +17701,11 @@
   <p:clrMapOvr>
     <a:masterClrMapping/>
   </p:clrMapOvr>
-  <mc:AlternateContent xmlns:mc="http://schemas.openxmlformats.org/markup-compatibility/2006" xmlns:p14="http://schemas.microsoft.com/office/powerpoint/2010/main">
-    <mc:Choice Requires="p14">
+  <mc:AlternateContent xmlns:mc="http://schemas.openxmlformats.org/markup-compatibility/2006">
+    <mc:Choice xmlns:p14="http://schemas.microsoft.com/office/powerpoint/2010/main" Requires="p14">
       <p:transition spd="slow" p14:dur="2000" advClick="0" advTm="4000"/>
     </mc:Choice>
-    <mc:Fallback xmlns="">
+    <mc:Fallback>
       <p:transition spd="slow" advClick="0" advTm="4000"/>
     </mc:Fallback>
   </mc:AlternateContent>
@@ -17904,7 +17989,7 @@
 </file>
 
 <file path=ppt/slides/slide20.xml><?xml version="1.0" encoding="utf-8"?>
-<p:sld xmlns:a="http://schemas.openxmlformats.org/drawingml/2006/main" xmlns:r="http://schemas.openxmlformats.org/officeDocument/2006/relationships" xmlns:p="http://schemas.openxmlformats.org/presentationml/2006/main">
+<p:sld xmlns:a="http://schemas.openxmlformats.org/drawingml/2006/main" xmlns:r="http://schemas.openxmlformats.org/officeDocument/2006/relationships" xmlns:p="http://schemas.openxmlformats.org/presentationml/2006/main" show="0">
   <p:cSld>
     <p:spTree>
       <p:nvGrpSpPr>
@@ -17966,6 +18051,376 @@
   <p:clrMapOvr>
     <a:masterClrMapping/>
   </p:clrMapOvr>
+</p:sld>
+</file>
+
+<file path=ppt/slides/slide21.xml><?xml version="1.0" encoding="utf-8"?>
+<p:sld xmlns:a="http://schemas.openxmlformats.org/drawingml/2006/main" xmlns:r="http://schemas.openxmlformats.org/officeDocument/2006/relationships" xmlns:p="http://schemas.openxmlformats.org/presentationml/2006/main">
+  <p:cSld>
+    <p:spTree>
+      <p:nvGrpSpPr>
+        <p:cNvPr id="1" name=""/>
+        <p:cNvGrpSpPr/>
+        <p:nvPr/>
+      </p:nvGrpSpPr>
+      <p:grpSpPr>
+        <a:xfrm>
+          <a:off x="0" y="0"/>
+          <a:ext cx="0" cy="0"/>
+          <a:chOff x="0" y="0"/>
+          <a:chExt cx="0" cy="0"/>
+        </a:xfrm>
+      </p:grpSpPr>
+      <p:sp>
+        <p:nvSpPr>
+          <p:cNvPr id="6" name="Rounded Rectangle 5">
+            <a:extLst>
+              <a:ext uri="{FF2B5EF4-FFF2-40B4-BE49-F238E27FC236}">
+                <a16:creationId xmlns:a16="http://schemas.microsoft.com/office/drawing/2014/main" id="{079D50C5-FAF9-69C9-E581-B5318807CD15}"/>
+              </a:ext>
+            </a:extLst>
+          </p:cNvPr>
+          <p:cNvSpPr/>
+          <p:nvPr/>
+        </p:nvSpPr>
+        <p:spPr>
+          <a:xfrm>
+            <a:off x="1032256" y="3291829"/>
+            <a:ext cx="4547616" cy="2818177"/>
+          </a:xfrm>
+          <a:prstGeom prst="roundRect">
+            <a:avLst>
+              <a:gd name="adj" fmla="val 8522"/>
+            </a:avLst>
+          </a:prstGeom>
+          <a:noFill/>
+          <a:ln w="57150">
+            <a:solidFill>
+              <a:schemeClr val="accent2"/>
+            </a:solidFill>
+          </a:ln>
+        </p:spPr>
+        <p:style>
+          <a:lnRef idx="2">
+            <a:schemeClr val="accent1">
+              <a:shade val="15000"/>
+            </a:schemeClr>
+          </a:lnRef>
+          <a:fillRef idx="1">
+            <a:schemeClr val="accent1"/>
+          </a:fillRef>
+          <a:effectRef idx="0">
+            <a:schemeClr val="accent1"/>
+          </a:effectRef>
+          <a:fontRef idx="minor">
+            <a:schemeClr val="lt1"/>
+          </a:fontRef>
+        </p:style>
+        <p:txBody>
+          <a:bodyPr rtlCol="0" anchor="ctr"/>
+          <a:lstStyle/>
+          <a:p>
+            <a:pPr algn="ctr"/>
+            <a:endParaRPr lang="en-US"/>
+          </a:p>
+        </p:txBody>
+      </p:sp>
+      <p:sp>
+        <p:nvSpPr>
+          <p:cNvPr id="8" name="TextBox 7">
+            <a:extLst>
+              <a:ext uri="{FF2B5EF4-FFF2-40B4-BE49-F238E27FC236}">
+                <a16:creationId xmlns:a16="http://schemas.microsoft.com/office/drawing/2014/main" id="{17B2EE81-90D0-AEF5-195E-CD3BBEC1AAC8}"/>
+              </a:ext>
+            </a:extLst>
+          </p:cNvPr>
+          <p:cNvSpPr txBox="1"/>
+          <p:nvPr/>
+        </p:nvSpPr>
+        <p:spPr>
+          <a:xfrm>
+            <a:off x="2731008" y="585216"/>
+            <a:ext cx="184731" cy="369332"/>
+          </a:xfrm>
+          <a:prstGeom prst="rect">
+            <a:avLst/>
+          </a:prstGeom>
+          <a:noFill/>
+        </p:spPr>
+        <p:txBody>
+          <a:bodyPr wrap="none" rtlCol="0">
+            <a:spAutoFit/>
+          </a:bodyPr>
+          <a:lstStyle/>
+          <a:p>
+            <a:endParaRPr lang="en-US" dirty="0"/>
+          </a:p>
+        </p:txBody>
+      </p:sp>
+      <p:sp>
+        <p:nvSpPr>
+          <p:cNvPr id="13" name="TextBox 12">
+            <a:extLst>
+              <a:ext uri="{FF2B5EF4-FFF2-40B4-BE49-F238E27FC236}">
+                <a16:creationId xmlns:a16="http://schemas.microsoft.com/office/drawing/2014/main" id="{194EC36A-72C0-5D97-08B6-18C18A96A95D}"/>
+              </a:ext>
+            </a:extLst>
+          </p:cNvPr>
+          <p:cNvSpPr txBox="1"/>
+          <p:nvPr/>
+        </p:nvSpPr>
+        <p:spPr>
+          <a:xfrm>
+            <a:off x="8769346" y="2544227"/>
+            <a:ext cx="2390398" cy="584775"/>
+          </a:xfrm>
+          <a:prstGeom prst="rect">
+            <a:avLst/>
+          </a:prstGeom>
+          <a:noFill/>
+        </p:spPr>
+        <p:txBody>
+          <a:bodyPr wrap="none" rtlCol="0">
+            <a:spAutoFit/>
+          </a:bodyPr>
+          <a:lstStyle/>
+          <a:p>
+            <a:r>
+              <a:rPr lang="en-US" sz="3200" dirty="0">
+                <a:solidFill>
+                  <a:schemeClr val="accent2"/>
+                </a:solidFill>
+                <a:latin typeface="Century Gothic" panose="020B0502020202020204" pitchFamily="34" charset="0"/>
+              </a:rPr>
+              <a:t>Next Video</a:t>
+            </a:r>
+          </a:p>
+        </p:txBody>
+      </p:sp>
+      <p:sp>
+        <p:nvSpPr>
+          <p:cNvPr id="14" name="Rectangle 13">
+            <a:extLst>
+              <a:ext uri="{FF2B5EF4-FFF2-40B4-BE49-F238E27FC236}">
+                <a16:creationId xmlns:a16="http://schemas.microsoft.com/office/drawing/2014/main" id="{30610344-5073-9351-D254-6D8408C00B10}"/>
+              </a:ext>
+            </a:extLst>
+          </p:cNvPr>
+          <p:cNvSpPr>
+            <a:spLocks/>
+          </p:cNvSpPr>
+          <p:nvPr/>
+        </p:nvSpPr>
+        <p:spPr>
+          <a:xfrm>
+            <a:off x="4507675" y="432606"/>
+            <a:ext cx="3176651" cy="3696485"/>
+          </a:xfrm>
+          <a:prstGeom prst="rect">
+            <a:avLst/>
+          </a:prstGeom>
+          <a:noFill/>
+        </p:spPr>
+        <p:txBody>
+          <a:bodyPr wrap="none" lIns="91440" tIns="45720" rIns="91440" bIns="45720">
+            <a:prstTxWarp prst="textArchUp">
+              <a:avLst>
+                <a:gd name="adj" fmla="val 11740300"/>
+              </a:avLst>
+            </a:prstTxWarp>
+            <a:spAutoFit/>
+          </a:bodyPr>
+          <a:lstStyle/>
+          <a:p>
+            <a:r>
+              <a:rPr lang="en-US" sz="3600" dirty="0">
+                <a:solidFill>
+                  <a:schemeClr val="accent1"/>
+                </a:solidFill>
+                <a:latin typeface="Century Gothic" panose="020B0502020202020204" pitchFamily="34" charset="0"/>
+              </a:rPr>
+              <a:t>Subscribe to our Channel</a:t>
+            </a:r>
+          </a:p>
+        </p:txBody>
+      </p:sp>
+      <p:sp>
+        <p:nvSpPr>
+          <p:cNvPr id="2" name="TextBox 1">
+            <a:extLst>
+              <a:ext uri="{FF2B5EF4-FFF2-40B4-BE49-F238E27FC236}">
+                <a16:creationId xmlns:a16="http://schemas.microsoft.com/office/drawing/2014/main" id="{DB648E07-0ADA-3213-F04B-B618F86FE55A}"/>
+              </a:ext>
+            </a:extLst>
+          </p:cNvPr>
+          <p:cNvSpPr txBox="1"/>
+          <p:nvPr/>
+        </p:nvSpPr>
+        <p:spPr>
+          <a:xfrm>
+            <a:off x="1032256" y="2544228"/>
+            <a:ext cx="1556836" cy="584775"/>
+          </a:xfrm>
+          <a:prstGeom prst="rect">
+            <a:avLst/>
+          </a:prstGeom>
+          <a:noFill/>
+        </p:spPr>
+        <p:txBody>
+          <a:bodyPr wrap="none" rtlCol="0">
+            <a:spAutoFit/>
+          </a:bodyPr>
+          <a:lstStyle/>
+          <a:p>
+            <a:r>
+              <a:rPr lang="en-US" sz="3200" dirty="0">
+                <a:solidFill>
+                  <a:schemeClr val="accent2"/>
+                </a:solidFill>
+                <a:latin typeface="Century Gothic" panose="020B0502020202020204" pitchFamily="34" charset="0"/>
+              </a:rPr>
+              <a:t>Playlist</a:t>
+            </a:r>
+            <a:r>
+              <a:rPr lang="en-US" sz="2400" dirty="0">
+                <a:solidFill>
+                  <a:schemeClr val="accent2"/>
+                </a:solidFill>
+                <a:latin typeface="Century Gothic" panose="020B0502020202020204" pitchFamily="34" charset="0"/>
+              </a:rPr>
+              <a:t> </a:t>
+            </a:r>
+          </a:p>
+        </p:txBody>
+      </p:sp>
+      <p:sp>
+        <p:nvSpPr>
+          <p:cNvPr id="4" name="Oval 3">
+            <a:extLst>
+              <a:ext uri="{FF2B5EF4-FFF2-40B4-BE49-F238E27FC236}">
+                <a16:creationId xmlns:a16="http://schemas.microsoft.com/office/drawing/2014/main" id="{B0419334-D010-AABC-F69E-4CE3A439194D}"/>
+              </a:ext>
+            </a:extLst>
+          </p:cNvPr>
+          <p:cNvSpPr/>
+          <p:nvPr/>
+        </p:nvSpPr>
+        <p:spPr>
+          <a:xfrm>
+            <a:off x="4899713" y="736429"/>
+            <a:ext cx="2392574" cy="2392574"/>
+          </a:xfrm>
+          <a:prstGeom prst="ellipse">
+            <a:avLst/>
+          </a:prstGeom>
+          <a:noFill/>
+          <a:ln w="57150">
+            <a:solidFill>
+              <a:schemeClr val="accent1"/>
+            </a:solidFill>
+          </a:ln>
+        </p:spPr>
+        <p:style>
+          <a:lnRef idx="2">
+            <a:schemeClr val="accent1">
+              <a:shade val="15000"/>
+            </a:schemeClr>
+          </a:lnRef>
+          <a:fillRef idx="1">
+            <a:schemeClr val="accent1"/>
+          </a:fillRef>
+          <a:effectRef idx="0">
+            <a:schemeClr val="accent1"/>
+          </a:effectRef>
+          <a:fontRef idx="minor">
+            <a:schemeClr val="lt1"/>
+          </a:fontRef>
+        </p:style>
+        <p:txBody>
+          <a:bodyPr rtlCol="0" anchor="ctr"/>
+          <a:lstStyle/>
+          <a:p>
+            <a:pPr algn="ctr"/>
+            <a:endParaRPr lang="en-US"/>
+          </a:p>
+        </p:txBody>
+      </p:sp>
+      <p:sp>
+        <p:nvSpPr>
+          <p:cNvPr id="7" name="Rounded Rectangle 6">
+            <a:extLst>
+              <a:ext uri="{FF2B5EF4-FFF2-40B4-BE49-F238E27FC236}">
+                <a16:creationId xmlns:a16="http://schemas.microsoft.com/office/drawing/2014/main" id="{17CFD8EC-DAD6-2D70-BC4C-CA8D499F942E}"/>
+              </a:ext>
+            </a:extLst>
+          </p:cNvPr>
+          <p:cNvSpPr/>
+          <p:nvPr/>
+        </p:nvSpPr>
+        <p:spPr>
+          <a:xfrm>
+            <a:off x="6612128" y="3291829"/>
+            <a:ext cx="4547616" cy="2818177"/>
+          </a:xfrm>
+          <a:prstGeom prst="roundRect">
+            <a:avLst>
+              <a:gd name="adj" fmla="val 8522"/>
+            </a:avLst>
+          </a:prstGeom>
+          <a:noFill/>
+          <a:ln w="57150">
+            <a:solidFill>
+              <a:schemeClr val="accent2"/>
+            </a:solidFill>
+          </a:ln>
+        </p:spPr>
+        <p:style>
+          <a:lnRef idx="2">
+            <a:schemeClr val="accent1">
+              <a:shade val="15000"/>
+            </a:schemeClr>
+          </a:lnRef>
+          <a:fillRef idx="1">
+            <a:schemeClr val="accent1"/>
+          </a:fillRef>
+          <a:effectRef idx="0">
+            <a:schemeClr val="accent1"/>
+          </a:effectRef>
+          <a:fontRef idx="minor">
+            <a:schemeClr val="lt1"/>
+          </a:fontRef>
+        </p:style>
+        <p:txBody>
+          <a:bodyPr rtlCol="0" anchor="ctr"/>
+          <a:lstStyle/>
+          <a:p>
+            <a:pPr algn="ctr"/>
+            <a:endParaRPr lang="en-US"/>
+          </a:p>
+        </p:txBody>
+      </p:sp>
+    </p:spTree>
+    <p:extLst>
+      <p:ext uri="{BB962C8B-B14F-4D97-AF65-F5344CB8AC3E}">
+        <p14:creationId xmlns:p14="http://schemas.microsoft.com/office/powerpoint/2010/main" val="891335981"/>
+      </p:ext>
+    </p:extLst>
+  </p:cSld>
+  <p:clrMapOvr>
+    <a:masterClrMapping/>
+  </p:clrMapOvr>
+  <mc:AlternateContent xmlns:mc="http://schemas.openxmlformats.org/markup-compatibility/2006">
+    <mc:Choice xmlns:p159="http://schemas.microsoft.com/office/powerpoint/2015/09/main" Requires="p159">
+      <p:transition xmlns:p14="http://schemas.microsoft.com/office/powerpoint/2010/main" spd="slow" p14:dur="2000" advClick="0" advTm="10000">
+        <p159:morph option="byObject"/>
+      </p:transition>
+    </mc:Choice>
+    <mc:Fallback>
+      <p:transition spd="slow" advClick="0" advTm="10000">
+        <p:fade/>
+      </p:transition>
+    </mc:Fallback>
+  </mc:AlternateContent>
 </p:sld>
 </file>
 
